--- a/figures/survey_flow/survey_flow_new.pptx
+++ b/figures/survey_flow/survey_flow_new.pptx
@@ -269,7 +269,7 @@
           <a:p>
             <a:fld id="{8CF137EE-87A5-9546-85D3-1692150F7E7C}" type="datetimeFigureOut">
               <a:rPr lang="en-US" smtClean="0"/>
-              <a:t>7/13/2021</a:t>
+              <a:t>7/19/2021</a:t>
             </a:fld>
             <a:endParaRPr lang="en-US"/>
           </a:p>
@@ -467,7 +467,7 @@
           <a:p>
             <a:fld id="{8CF137EE-87A5-9546-85D3-1692150F7E7C}" type="datetimeFigureOut">
               <a:rPr lang="en-US" smtClean="0"/>
-              <a:t>7/13/2021</a:t>
+              <a:t>7/19/2021</a:t>
             </a:fld>
             <a:endParaRPr lang="en-US"/>
           </a:p>
@@ -675,7 +675,7 @@
           <a:p>
             <a:fld id="{8CF137EE-87A5-9546-85D3-1692150F7E7C}" type="datetimeFigureOut">
               <a:rPr lang="en-US" smtClean="0"/>
-              <a:t>7/13/2021</a:t>
+              <a:t>7/19/2021</a:t>
             </a:fld>
             <a:endParaRPr lang="en-US"/>
           </a:p>
@@ -873,7 +873,7 @@
           <a:p>
             <a:fld id="{8CF137EE-87A5-9546-85D3-1692150F7E7C}" type="datetimeFigureOut">
               <a:rPr lang="en-US" smtClean="0"/>
-              <a:t>7/13/2021</a:t>
+              <a:t>7/19/2021</a:t>
             </a:fld>
             <a:endParaRPr lang="en-US"/>
           </a:p>
@@ -1148,7 +1148,7 @@
           <a:p>
             <a:fld id="{8CF137EE-87A5-9546-85D3-1692150F7E7C}" type="datetimeFigureOut">
               <a:rPr lang="en-US" smtClean="0"/>
-              <a:t>7/13/2021</a:t>
+              <a:t>7/19/2021</a:t>
             </a:fld>
             <a:endParaRPr lang="en-US"/>
           </a:p>
@@ -1413,7 +1413,7 @@
           <a:p>
             <a:fld id="{8CF137EE-87A5-9546-85D3-1692150F7E7C}" type="datetimeFigureOut">
               <a:rPr lang="en-US" smtClean="0"/>
-              <a:t>7/13/2021</a:t>
+              <a:t>7/19/2021</a:t>
             </a:fld>
             <a:endParaRPr lang="en-US"/>
           </a:p>
@@ -1825,7 +1825,7 @@
           <a:p>
             <a:fld id="{8CF137EE-87A5-9546-85D3-1692150F7E7C}" type="datetimeFigureOut">
               <a:rPr lang="en-US" smtClean="0"/>
-              <a:t>7/13/2021</a:t>
+              <a:t>7/19/2021</a:t>
             </a:fld>
             <a:endParaRPr lang="en-US"/>
           </a:p>
@@ -1966,7 +1966,7 @@
           <a:p>
             <a:fld id="{8CF137EE-87A5-9546-85D3-1692150F7E7C}" type="datetimeFigureOut">
               <a:rPr lang="en-US" smtClean="0"/>
-              <a:t>7/13/2021</a:t>
+              <a:t>7/19/2021</a:t>
             </a:fld>
             <a:endParaRPr lang="en-US"/>
           </a:p>
@@ -2079,7 +2079,7 @@
           <a:p>
             <a:fld id="{8CF137EE-87A5-9546-85D3-1692150F7E7C}" type="datetimeFigureOut">
               <a:rPr lang="en-US" smtClean="0"/>
-              <a:t>7/13/2021</a:t>
+              <a:t>7/19/2021</a:t>
             </a:fld>
             <a:endParaRPr lang="en-US"/>
           </a:p>
@@ -2390,7 +2390,7 @@
           <a:p>
             <a:fld id="{8CF137EE-87A5-9546-85D3-1692150F7E7C}" type="datetimeFigureOut">
               <a:rPr lang="en-US" smtClean="0"/>
-              <a:t>7/13/2021</a:t>
+              <a:t>7/19/2021</a:t>
             </a:fld>
             <a:endParaRPr lang="en-US"/>
           </a:p>
@@ -2678,7 +2678,7 @@
           <a:p>
             <a:fld id="{8CF137EE-87A5-9546-85D3-1692150F7E7C}" type="datetimeFigureOut">
               <a:rPr lang="en-US" smtClean="0"/>
-              <a:t>7/13/2021</a:t>
+              <a:t>7/19/2021</a:t>
             </a:fld>
             <a:endParaRPr lang="en-US"/>
           </a:p>
@@ -2919,7 +2919,7 @@
           <a:p>
             <a:fld id="{8CF137EE-87A5-9546-85D3-1692150F7E7C}" type="datetimeFigureOut">
               <a:rPr lang="en-US" smtClean="0"/>
-              <a:t>7/13/2021</a:t>
+              <a:t>7/19/2021</a:t>
             </a:fld>
             <a:endParaRPr lang="en-US"/>
           </a:p>
@@ -12953,10 +12953,10 @@
       </p:sp>
       <p:pic>
         <p:nvPicPr>
-          <p:cNvPr id="43" name="Picture 42">
-            <a:extLst>
-              <a:ext uri="{FF2B5EF4-FFF2-40B4-BE49-F238E27FC236}">
-                <a16:creationId xmlns:a16="http://schemas.microsoft.com/office/drawing/2014/main" id="{51012AF3-2F07-9C41-B142-1F791BFB0293}"/>
+          <p:cNvPr id="24" name="Picture 23">
+            <a:extLst>
+              <a:ext uri="{FF2B5EF4-FFF2-40B4-BE49-F238E27FC236}">
+                <a16:creationId xmlns:a16="http://schemas.microsoft.com/office/drawing/2014/main" id="{D6DE7817-5565-224A-9221-326BB7973C41}"/>
               </a:ext>
             </a:extLst>
           </p:cNvPr>
@@ -12979,8 +12979,8 @@
         </p:blipFill>
         <p:spPr>
           <a:xfrm>
-            <a:off x="3234609" y="4586928"/>
-            <a:ext cx="5579818" cy="1433068"/>
+            <a:off x="3203058" y="4241673"/>
+            <a:ext cx="6074525" cy="1625346"/>
           </a:xfrm>
           <a:prstGeom prst="rect">
             <a:avLst/>
@@ -14469,6 +14469,42 @@
           </a:p>
         </p:txBody>
       </p:sp>
+      <p:pic>
+        <p:nvPicPr>
+          <p:cNvPr id="25" name="Picture 24">
+            <a:extLst>
+              <a:ext uri="{FF2B5EF4-FFF2-40B4-BE49-F238E27FC236}">
+                <a16:creationId xmlns:a16="http://schemas.microsoft.com/office/drawing/2014/main" id="{51012AF3-2F07-9C41-B142-1F791BFB0293}"/>
+              </a:ext>
+            </a:extLst>
+          </p:cNvPr>
+          <p:cNvPicPr>
+            <a:picLocks noChangeAspect="1"/>
+          </p:cNvPicPr>
+          <p:nvPr/>
+        </p:nvPicPr>
+        <p:blipFill>
+          <a:blip r:embed="rId2">
+            <a:extLst>
+              <a:ext uri="{28A0092B-C50C-407E-A947-70E740481C1C}">
+                <a14:useLocalDpi xmlns:a14="http://schemas.microsoft.com/office/drawing/2010/main" val="0"/>
+              </a:ext>
+            </a:extLst>
+          </a:blip>
+          <a:stretch>
+            <a:fillRect/>
+          </a:stretch>
+        </p:blipFill>
+        <p:spPr>
+          <a:xfrm>
+            <a:off x="3306091" y="4995996"/>
+            <a:ext cx="5579818" cy="1433068"/>
+          </a:xfrm>
+          <a:prstGeom prst="rect">
+            <a:avLst/>
+          </a:prstGeom>
+        </p:spPr>
+      </p:pic>
     </p:spTree>
     <p:extLst>
       <p:ext uri="{BB962C8B-B14F-4D97-AF65-F5344CB8AC3E}">

--- a/figures/survey_flow/survey_flow_new.pptx
+++ b/figures/survey_flow/survey_flow_new.pptx
@@ -269,7 +269,7 @@
           <a:p>
             <a:fld id="{8CF137EE-87A5-9546-85D3-1692150F7E7C}" type="datetimeFigureOut">
               <a:rPr lang="en-US" smtClean="0"/>
-              <a:t>7/19/2021</a:t>
+              <a:t>11/23/2021</a:t>
             </a:fld>
             <a:endParaRPr lang="en-US"/>
           </a:p>
@@ -467,7 +467,7 @@
           <a:p>
             <a:fld id="{8CF137EE-87A5-9546-85D3-1692150F7E7C}" type="datetimeFigureOut">
               <a:rPr lang="en-US" smtClean="0"/>
-              <a:t>7/19/2021</a:t>
+              <a:t>11/23/2021</a:t>
             </a:fld>
             <a:endParaRPr lang="en-US"/>
           </a:p>
@@ -675,7 +675,7 @@
           <a:p>
             <a:fld id="{8CF137EE-87A5-9546-85D3-1692150F7E7C}" type="datetimeFigureOut">
               <a:rPr lang="en-US" smtClean="0"/>
-              <a:t>7/19/2021</a:t>
+              <a:t>11/23/2021</a:t>
             </a:fld>
             <a:endParaRPr lang="en-US"/>
           </a:p>
@@ -873,7 +873,7 @@
           <a:p>
             <a:fld id="{8CF137EE-87A5-9546-85D3-1692150F7E7C}" type="datetimeFigureOut">
               <a:rPr lang="en-US" smtClean="0"/>
-              <a:t>7/19/2021</a:t>
+              <a:t>11/23/2021</a:t>
             </a:fld>
             <a:endParaRPr lang="en-US"/>
           </a:p>
@@ -1148,7 +1148,7 @@
           <a:p>
             <a:fld id="{8CF137EE-87A5-9546-85D3-1692150F7E7C}" type="datetimeFigureOut">
               <a:rPr lang="en-US" smtClean="0"/>
-              <a:t>7/19/2021</a:t>
+              <a:t>11/23/2021</a:t>
             </a:fld>
             <a:endParaRPr lang="en-US"/>
           </a:p>
@@ -1413,7 +1413,7 @@
           <a:p>
             <a:fld id="{8CF137EE-87A5-9546-85D3-1692150F7E7C}" type="datetimeFigureOut">
               <a:rPr lang="en-US" smtClean="0"/>
-              <a:t>7/19/2021</a:t>
+              <a:t>11/23/2021</a:t>
             </a:fld>
             <a:endParaRPr lang="en-US"/>
           </a:p>
@@ -1825,7 +1825,7 @@
           <a:p>
             <a:fld id="{8CF137EE-87A5-9546-85D3-1692150F7E7C}" type="datetimeFigureOut">
               <a:rPr lang="en-US" smtClean="0"/>
-              <a:t>7/19/2021</a:t>
+              <a:t>11/23/2021</a:t>
             </a:fld>
             <a:endParaRPr lang="en-US"/>
           </a:p>
@@ -1966,7 +1966,7 @@
           <a:p>
             <a:fld id="{8CF137EE-87A5-9546-85D3-1692150F7E7C}" type="datetimeFigureOut">
               <a:rPr lang="en-US" smtClean="0"/>
-              <a:t>7/19/2021</a:t>
+              <a:t>11/23/2021</a:t>
             </a:fld>
             <a:endParaRPr lang="en-US"/>
           </a:p>
@@ -2079,7 +2079,7 @@
           <a:p>
             <a:fld id="{8CF137EE-87A5-9546-85D3-1692150F7E7C}" type="datetimeFigureOut">
               <a:rPr lang="en-US" smtClean="0"/>
-              <a:t>7/19/2021</a:t>
+              <a:t>11/23/2021</a:t>
             </a:fld>
             <a:endParaRPr lang="en-US"/>
           </a:p>
@@ -2390,7 +2390,7 @@
           <a:p>
             <a:fld id="{8CF137EE-87A5-9546-85D3-1692150F7E7C}" type="datetimeFigureOut">
               <a:rPr lang="en-US" smtClean="0"/>
-              <a:t>7/19/2021</a:t>
+              <a:t>11/23/2021</a:t>
             </a:fld>
             <a:endParaRPr lang="en-US"/>
           </a:p>
@@ -2678,7 +2678,7 @@
           <a:p>
             <a:fld id="{8CF137EE-87A5-9546-85D3-1692150F7E7C}" type="datetimeFigureOut">
               <a:rPr lang="en-US" smtClean="0"/>
-              <a:t>7/19/2021</a:t>
+              <a:t>11/23/2021</a:t>
             </a:fld>
             <a:endParaRPr lang="en-US"/>
           </a:p>
@@ -2919,7 +2919,7 @@
           <a:p>
             <a:fld id="{8CF137EE-87A5-9546-85D3-1692150F7E7C}" type="datetimeFigureOut">
               <a:rPr lang="en-US" smtClean="0"/>
-              <a:t>7/19/2021</a:t>
+              <a:t>11/23/2021</a:t>
             </a:fld>
             <a:endParaRPr lang="en-US"/>
           </a:p>
@@ -3665,12 +3665,12 @@
           <a:p>
             <a:pPr algn="ctr"/>
             <a:r>
-              <a:rPr lang="en-US" sz="1200" dirty="0" smtClean="0">
-                <a:solidFill>
-                  <a:schemeClr val="tx1"/>
-                </a:solidFill>
-              </a:rPr>
-              <a:t>Main considerations; supported policies.</a:t>
+              <a:rPr lang="en-US" sz="1200" dirty="0">
+                <a:solidFill>
+                  <a:schemeClr val="tx1"/>
+                </a:solidFill>
+              </a:rPr>
+              <a:t>Main considerations about climate change; supported climate policies.</a:t>
             </a:r>
             <a:endParaRPr lang="en-US" sz="1200" dirty="0">
               <a:solidFill>
@@ -4162,7 +4162,23 @@
                   <a:schemeClr val="tx1"/>
                 </a:solidFill>
               </a:rPr>
-              <a:t>Likelihood of climate stabilization, effects of climate policies, willingness to change own habits…</a:t>
+              <a:t>Likelihood of climate stabilization, effects of climate </a:t>
+            </a:r>
+            <a:r>
+              <a:rPr lang="en-US" sz="1200" dirty="0">
+                <a:solidFill>
+                  <a:schemeClr val="tx1"/>
+                </a:solidFill>
+              </a:rPr>
+              <a:t>change, </a:t>
+            </a:r>
+            <a:r>
+              <a:rPr lang="en-US" sz="1200" dirty="0" smtClean="0">
+                <a:solidFill>
+                  <a:schemeClr val="tx1"/>
+                </a:solidFill>
+              </a:rPr>
+              <a:t>willingness to change own habits…</a:t>
             </a:r>
             <a:endParaRPr lang="en-US" sz="1200" dirty="0">
               <a:solidFill>
@@ -5062,21 +5078,12 @@
                   <a:schemeClr val="tx1"/>
                 </a:solidFill>
               </a:rPr>
-              <a:t>Factual, quantitative questions </a:t>
-            </a:r>
-            <a:r>
-              <a:rPr lang="en-US" sz="1200" dirty="0" smtClean="0">
-                <a:solidFill>
-                  <a:schemeClr val="tx1"/>
-                </a:solidFill>
-              </a:rPr>
-              <a:t>(climate dynamics, factors and impacts of climate change, footprints)</a:t>
+              <a:t>Trust in government and in others, redistributive tastes.</a:t>
             </a:r>
             <a:endParaRPr lang="en-US" sz="1200" dirty="0">
               <a:solidFill>
                 <a:schemeClr val="tx1"/>
               </a:solidFill>
-              <a:effectLst/>
             </a:endParaRPr>
           </a:p>
         </p:txBody>
@@ -5631,7 +5638,39 @@
                   <a:schemeClr val="tx1"/>
                 </a:solidFill>
               </a:rPr>
-              <a:t>Main considerations; supported policies.</a:t>
+              <a:t>Main </a:t>
+            </a:r>
+            <a:r>
+              <a:rPr lang="en-US" sz="1200" dirty="0" smtClean="0">
+                <a:solidFill>
+                  <a:schemeClr val="tx1"/>
+                </a:solidFill>
+              </a:rPr>
+              <a:t>considerations about climate change; </a:t>
+            </a:r>
+            <a:r>
+              <a:rPr lang="en-US" sz="1200" dirty="0" smtClean="0">
+                <a:solidFill>
+                  <a:schemeClr val="tx1"/>
+                </a:solidFill>
+              </a:rPr>
+              <a:t>supported </a:t>
+            </a:r>
+            <a:r>
+              <a:rPr lang="en-US" sz="1200" dirty="0" smtClean="0">
+                <a:solidFill>
+                  <a:schemeClr val="tx1"/>
+                </a:solidFill>
+              </a:rPr>
+              <a:t>climate policies</a:t>
+            </a:r>
+            <a:r>
+              <a:rPr lang="en-US" sz="1200" dirty="0" smtClean="0">
+                <a:solidFill>
+                  <a:schemeClr val="tx1"/>
+                </a:solidFill>
+              </a:rPr>
+              <a:t>.</a:t>
             </a:r>
             <a:endParaRPr lang="en-US" sz="1200" dirty="0">
               <a:solidFill>
@@ -6123,7 +6162,23 @@
                   <a:schemeClr val="tx1"/>
                 </a:solidFill>
               </a:rPr>
-              <a:t>Likelihood of climate stabilization, effects of climate policies, willingness to change own habits…</a:t>
+              <a:t>Likelihood of climate stabilization, effects of climate </a:t>
+            </a:r>
+            <a:r>
+              <a:rPr lang="en-US" sz="1200" dirty="0" smtClean="0">
+                <a:solidFill>
+                  <a:schemeClr val="tx1"/>
+                </a:solidFill>
+              </a:rPr>
+              <a:t>change, </a:t>
+            </a:r>
+            <a:r>
+              <a:rPr lang="en-US" sz="1200" dirty="0" smtClean="0">
+                <a:solidFill>
+                  <a:schemeClr val="tx1"/>
+                </a:solidFill>
+              </a:rPr>
+              <a:t>willingness to change own habits…</a:t>
             </a:r>
             <a:endParaRPr lang="en-US" sz="1200" dirty="0">
               <a:solidFill>
@@ -7013,20 +7068,12 @@
           <a:p>
             <a:pPr algn="ctr"/>
             <a:r>
-              <a:rPr lang="en-US" sz="1200" dirty="0">
-                <a:solidFill>
-                  <a:schemeClr val="tx1"/>
-                </a:solidFill>
-              </a:rPr>
-              <a:t>Factual, quantitative questions </a:t>
-            </a:r>
-            <a:r>
               <a:rPr lang="en-US" sz="1200" dirty="0" smtClean="0">
                 <a:solidFill>
                   <a:schemeClr val="tx1"/>
                 </a:solidFill>
               </a:rPr>
-              <a:t>(climate dynamics, factors and impacts of climate change, footprints)</a:t>
+              <a:t>Trust in government and in others, redistributive tastes.</a:t>
             </a:r>
             <a:endParaRPr lang="en-US" sz="1200" dirty="0">
               <a:solidFill>
@@ -7587,12 +7634,12 @@
           <a:p>
             <a:pPr algn="ctr"/>
             <a:r>
-              <a:rPr lang="en-US" sz="1200" dirty="0" smtClean="0">
-                <a:solidFill>
-                  <a:schemeClr val="tx1"/>
-                </a:solidFill>
-              </a:rPr>
-              <a:t>Main considerations; supported policies.</a:t>
+              <a:rPr lang="en-US" sz="1200" dirty="0">
+                <a:solidFill>
+                  <a:schemeClr val="tx1"/>
+                </a:solidFill>
+              </a:rPr>
+              <a:t>Main considerations about climate change; supported climate policies.</a:t>
             </a:r>
             <a:endParaRPr lang="en-US" sz="1200" dirty="0">
               <a:solidFill>
@@ -7835,12 +7882,12 @@
           <a:p>
             <a:pPr algn="ctr"/>
             <a:r>
-              <a:rPr lang="en-US" sz="1200" dirty="0" smtClean="0">
-                <a:solidFill>
-                  <a:schemeClr val="tx1"/>
-                </a:solidFill>
-              </a:rPr>
-              <a:t>Main considerations; supported policies.</a:t>
+              <a:rPr lang="en-US" sz="1200" dirty="0">
+                <a:solidFill>
+                  <a:schemeClr val="tx1"/>
+                </a:solidFill>
+              </a:rPr>
+              <a:t>Main considerations about climate change; supported climate policies.</a:t>
             </a:r>
             <a:endParaRPr lang="en-US" sz="1200" dirty="0">
               <a:solidFill>
@@ -11122,12 +11169,12 @@
           <a:p>
             <a:pPr algn="ctr"/>
             <a:r>
-              <a:rPr lang="en-US" sz="1200" dirty="0" smtClean="0">
-                <a:solidFill>
-                  <a:schemeClr val="tx1"/>
-                </a:solidFill>
-              </a:rPr>
-              <a:t>Main considerations; supported policies.</a:t>
+              <a:rPr lang="en-US" sz="1200" dirty="0">
+                <a:solidFill>
+                  <a:schemeClr val="tx1"/>
+                </a:solidFill>
+              </a:rPr>
+              <a:t>Main considerations about climate change; supported climate policies.</a:t>
             </a:r>
             <a:endParaRPr lang="en-US" sz="1200" dirty="0">
               <a:solidFill>
@@ -12126,12 +12173,12 @@
           <a:p>
             <a:pPr algn="ctr"/>
             <a:r>
-              <a:rPr lang="en-US" sz="1200" dirty="0" smtClean="0">
-                <a:solidFill>
-                  <a:schemeClr val="tx1"/>
-                </a:solidFill>
-              </a:rPr>
-              <a:t>Main considerations; supported policies.</a:t>
+              <a:rPr lang="en-US" sz="1200" dirty="0">
+                <a:solidFill>
+                  <a:schemeClr val="tx1"/>
+                </a:solidFill>
+              </a:rPr>
+              <a:t>Main considerations about climate change; supported climate policies.</a:t>
             </a:r>
             <a:endParaRPr lang="en-US" sz="1200" dirty="0">
               <a:solidFill>
@@ -12628,7 +12675,23 @@
                   <a:schemeClr val="tx1"/>
                 </a:solidFill>
               </a:rPr>
-              <a:t>Likelihood of climate stabilization, effects of climate policies, willingness to change own habits…</a:t>
+              <a:t>Likelihood of climate stabilization, effects of climate </a:t>
+            </a:r>
+            <a:r>
+              <a:rPr lang="en-US" sz="1200" dirty="0">
+                <a:solidFill>
+                  <a:schemeClr val="tx1"/>
+                </a:solidFill>
+              </a:rPr>
+              <a:t>change, </a:t>
+            </a:r>
+            <a:r>
+              <a:rPr lang="en-US" sz="1200" dirty="0" smtClean="0">
+                <a:solidFill>
+                  <a:schemeClr val="tx1"/>
+                </a:solidFill>
+              </a:rPr>
+              <a:t>willingness to change own habits…</a:t>
             </a:r>
             <a:endParaRPr lang="en-US" sz="1200" dirty="0">
               <a:solidFill>
@@ -12981,6 +13044,30 @@
           <a:xfrm>
             <a:off x="3203058" y="4241673"/>
             <a:ext cx="6074525" cy="1625346"/>
+          </a:xfrm>
+          <a:prstGeom prst="rect">
+            <a:avLst/>
+          </a:prstGeom>
+        </p:spPr>
+      </p:pic>
+      <p:pic>
+        <p:nvPicPr>
+          <p:cNvPr id="2" name="Picture 1"/>
+          <p:cNvPicPr>
+            <a:picLocks noChangeAspect="1"/>
+          </p:cNvPicPr>
+          <p:nvPr/>
+        </p:nvPicPr>
+        <p:blipFill>
+          <a:blip r:embed="rId3"/>
+          <a:stretch>
+            <a:fillRect/>
+          </a:stretch>
+        </p:blipFill>
+        <p:spPr>
+          <a:xfrm>
+            <a:off x="1990215" y="4157932"/>
+            <a:ext cx="8068605" cy="1644005"/>
           </a:xfrm>
           <a:prstGeom prst="rect">
             <a:avLst/>
@@ -13220,12 +13307,12 @@
           <a:p>
             <a:pPr algn="ctr"/>
             <a:r>
-              <a:rPr lang="en-US" sz="1200" dirty="0" smtClean="0">
-                <a:solidFill>
-                  <a:schemeClr val="tx1"/>
-                </a:solidFill>
-              </a:rPr>
-              <a:t>Main considerations; supported policies.</a:t>
+              <a:rPr lang="en-US" sz="1200" dirty="0">
+                <a:solidFill>
+                  <a:schemeClr val="tx1"/>
+                </a:solidFill>
+              </a:rPr>
+              <a:t>Main considerations about climate change; supported climate policies.</a:t>
             </a:r>
             <a:endParaRPr lang="en-US" sz="1200" dirty="0">
               <a:solidFill>
@@ -13717,7 +13804,23 @@
                   <a:schemeClr val="tx1"/>
                 </a:solidFill>
               </a:rPr>
-              <a:t>Likelihood of climate stabilization, effects of climate policies, willingness to change own habits…</a:t>
+              <a:t>Likelihood of climate stabilization, effects of climate </a:t>
+            </a:r>
+            <a:r>
+              <a:rPr lang="en-US" sz="1200" dirty="0">
+                <a:solidFill>
+                  <a:schemeClr val="tx1"/>
+                </a:solidFill>
+              </a:rPr>
+              <a:t>change, </a:t>
+            </a:r>
+            <a:r>
+              <a:rPr lang="en-US" sz="1200" dirty="0" smtClean="0">
+                <a:solidFill>
+                  <a:schemeClr val="tx1"/>
+                </a:solidFill>
+              </a:rPr>
+              <a:t>willingness to change own habits…</a:t>
             </a:r>
             <a:endParaRPr lang="en-US" sz="1200" dirty="0">
               <a:solidFill>
@@ -14738,12 +14841,12 @@
           <a:p>
             <a:pPr algn="ctr"/>
             <a:r>
-              <a:rPr lang="en-US" sz="1200" dirty="0" smtClean="0">
-                <a:solidFill>
-                  <a:schemeClr val="tx1"/>
-                </a:solidFill>
-              </a:rPr>
-              <a:t>Main considerations; supported policies.</a:t>
+              <a:rPr lang="en-US" sz="1200" dirty="0">
+                <a:solidFill>
+                  <a:schemeClr val="tx1"/>
+                </a:solidFill>
+              </a:rPr>
+              <a:t>Main considerations about climate change; supported climate policies.</a:t>
             </a:r>
             <a:endParaRPr lang="en-US" sz="1200" dirty="0">
               <a:solidFill>
@@ -15235,7 +15338,23 @@
                   <a:schemeClr val="tx1"/>
                 </a:solidFill>
               </a:rPr>
-              <a:t>Likelihood of climate stabilization, effects of climate policies, willingness to change own habits…</a:t>
+              <a:t>Likelihood of climate stabilization, effects of climate </a:t>
+            </a:r>
+            <a:r>
+              <a:rPr lang="en-US" sz="1200" dirty="0">
+                <a:solidFill>
+                  <a:schemeClr val="tx1"/>
+                </a:solidFill>
+              </a:rPr>
+              <a:t>change, </a:t>
+            </a:r>
+            <a:r>
+              <a:rPr lang="en-US" sz="1200" dirty="0" smtClean="0">
+                <a:solidFill>
+                  <a:schemeClr val="tx1"/>
+                </a:solidFill>
+              </a:rPr>
+              <a:t>willingness to change own habits…</a:t>
             </a:r>
             <a:endParaRPr lang="en-US" sz="1200" dirty="0">
               <a:solidFill>
@@ -16377,12 +16496,12 @@
           <a:p>
             <a:pPr algn="ctr"/>
             <a:r>
-              <a:rPr lang="en-US" sz="1200" dirty="0" smtClean="0">
-                <a:solidFill>
-                  <a:schemeClr val="tx1"/>
-                </a:solidFill>
-              </a:rPr>
-              <a:t>Main considerations; supported policies.</a:t>
+              <a:rPr lang="en-US" sz="1200" dirty="0">
+                <a:solidFill>
+                  <a:schemeClr val="tx1"/>
+                </a:solidFill>
+              </a:rPr>
+              <a:t>Main considerations about climate change; supported climate policies.</a:t>
             </a:r>
             <a:endParaRPr lang="en-US" sz="1200" dirty="0">
               <a:solidFill>
@@ -16874,7 +16993,23 @@
                   <a:schemeClr val="tx1"/>
                 </a:solidFill>
               </a:rPr>
-              <a:t>Likelihood of climate stabilization, effects of climate policies, willingness to change own habits…</a:t>
+              <a:t>Likelihood of climate stabilization, effects of climate </a:t>
+            </a:r>
+            <a:r>
+              <a:rPr lang="en-US" sz="1200" dirty="0">
+                <a:solidFill>
+                  <a:schemeClr val="tx1"/>
+                </a:solidFill>
+              </a:rPr>
+              <a:t>change, </a:t>
+            </a:r>
+            <a:r>
+              <a:rPr lang="en-US" sz="1200" dirty="0" smtClean="0">
+                <a:solidFill>
+                  <a:schemeClr val="tx1"/>
+                </a:solidFill>
+              </a:rPr>
+              <a:t>willingness to change own habits…</a:t>
             </a:r>
             <a:endParaRPr lang="en-US" sz="1200" dirty="0">
               <a:solidFill>

--- a/figures/survey_flow/survey_flow_new.pptx
+++ b/figures/survey_flow/survey_flow_new.pptx
@@ -269,7 +269,7 @@
           <a:p>
             <a:fld id="{8CF137EE-87A5-9546-85D3-1692150F7E7C}" type="datetimeFigureOut">
               <a:rPr lang="en-US" smtClean="0"/>
-              <a:t>11/23/2021</a:t>
+              <a:t>11/24/2021</a:t>
             </a:fld>
             <a:endParaRPr lang="en-US"/>
           </a:p>
@@ -467,7 +467,7 @@
           <a:p>
             <a:fld id="{8CF137EE-87A5-9546-85D3-1692150F7E7C}" type="datetimeFigureOut">
               <a:rPr lang="en-US" smtClean="0"/>
-              <a:t>11/23/2021</a:t>
+              <a:t>11/24/2021</a:t>
             </a:fld>
             <a:endParaRPr lang="en-US"/>
           </a:p>
@@ -675,7 +675,7 @@
           <a:p>
             <a:fld id="{8CF137EE-87A5-9546-85D3-1692150F7E7C}" type="datetimeFigureOut">
               <a:rPr lang="en-US" smtClean="0"/>
-              <a:t>11/23/2021</a:t>
+              <a:t>11/24/2021</a:t>
             </a:fld>
             <a:endParaRPr lang="en-US"/>
           </a:p>
@@ -873,7 +873,7 @@
           <a:p>
             <a:fld id="{8CF137EE-87A5-9546-85D3-1692150F7E7C}" type="datetimeFigureOut">
               <a:rPr lang="en-US" smtClean="0"/>
-              <a:t>11/23/2021</a:t>
+              <a:t>11/24/2021</a:t>
             </a:fld>
             <a:endParaRPr lang="en-US"/>
           </a:p>
@@ -1148,7 +1148,7 @@
           <a:p>
             <a:fld id="{8CF137EE-87A5-9546-85D3-1692150F7E7C}" type="datetimeFigureOut">
               <a:rPr lang="en-US" smtClean="0"/>
-              <a:t>11/23/2021</a:t>
+              <a:t>11/24/2021</a:t>
             </a:fld>
             <a:endParaRPr lang="en-US"/>
           </a:p>
@@ -1413,7 +1413,7 @@
           <a:p>
             <a:fld id="{8CF137EE-87A5-9546-85D3-1692150F7E7C}" type="datetimeFigureOut">
               <a:rPr lang="en-US" smtClean="0"/>
-              <a:t>11/23/2021</a:t>
+              <a:t>11/24/2021</a:t>
             </a:fld>
             <a:endParaRPr lang="en-US"/>
           </a:p>
@@ -1825,7 +1825,7 @@
           <a:p>
             <a:fld id="{8CF137EE-87A5-9546-85D3-1692150F7E7C}" type="datetimeFigureOut">
               <a:rPr lang="en-US" smtClean="0"/>
-              <a:t>11/23/2021</a:t>
+              <a:t>11/24/2021</a:t>
             </a:fld>
             <a:endParaRPr lang="en-US"/>
           </a:p>
@@ -1966,7 +1966,7 @@
           <a:p>
             <a:fld id="{8CF137EE-87A5-9546-85D3-1692150F7E7C}" type="datetimeFigureOut">
               <a:rPr lang="en-US" smtClean="0"/>
-              <a:t>11/23/2021</a:t>
+              <a:t>11/24/2021</a:t>
             </a:fld>
             <a:endParaRPr lang="en-US"/>
           </a:p>
@@ -2079,7 +2079,7 @@
           <a:p>
             <a:fld id="{8CF137EE-87A5-9546-85D3-1692150F7E7C}" type="datetimeFigureOut">
               <a:rPr lang="en-US" smtClean="0"/>
-              <a:t>11/23/2021</a:t>
+              <a:t>11/24/2021</a:t>
             </a:fld>
             <a:endParaRPr lang="en-US"/>
           </a:p>
@@ -2390,7 +2390,7 @@
           <a:p>
             <a:fld id="{8CF137EE-87A5-9546-85D3-1692150F7E7C}" type="datetimeFigureOut">
               <a:rPr lang="en-US" smtClean="0"/>
-              <a:t>11/23/2021</a:t>
+              <a:t>11/24/2021</a:t>
             </a:fld>
             <a:endParaRPr lang="en-US"/>
           </a:p>
@@ -2678,7 +2678,7 @@
           <a:p>
             <a:fld id="{8CF137EE-87A5-9546-85D3-1692150F7E7C}" type="datetimeFigureOut">
               <a:rPr lang="en-US" smtClean="0"/>
-              <a:t>11/23/2021</a:t>
+              <a:t>11/24/2021</a:t>
             </a:fld>
             <a:endParaRPr lang="en-US"/>
           </a:p>
@@ -2919,7 +2919,7 @@
           <a:p>
             <a:fld id="{8CF137EE-87A5-9546-85D3-1692150F7E7C}" type="datetimeFigureOut">
               <a:rPr lang="en-US" smtClean="0"/>
-              <a:t>11/23/2021</a:t>
+              <a:t>11/24/2021</a:t>
             </a:fld>
             <a:endParaRPr lang="en-US"/>
           </a:p>
@@ -3672,11 +3672,6 @@
               </a:rPr>
               <a:t>Main considerations about climate change; supported climate policies.</a:t>
             </a:r>
-            <a:endParaRPr lang="en-US" sz="1200" dirty="0">
-              <a:solidFill>
-                <a:schemeClr val="tx1"/>
-              </a:solidFill>
-            </a:endParaRPr>
           </a:p>
         </p:txBody>
       </p:sp>
@@ -5080,11 +5075,6 @@
               </a:rPr>
               <a:t>Trust in government and in others, redistributive tastes.</a:t>
             </a:r>
-            <a:endParaRPr lang="en-US" sz="1200" dirty="0">
-              <a:solidFill>
-                <a:schemeClr val="tx1"/>
-              </a:solidFill>
-            </a:endParaRPr>
           </a:p>
         </p:txBody>
       </p:sp>
@@ -5222,7 +5212,7 @@
                   <a:schemeClr val="tx1"/>
                 </a:solidFill>
               </a:rPr>
-              <a:t>Policy</a:t>
+              <a:t>Climate Policy</a:t>
             </a:r>
             <a:r>
               <a:rPr lang="en-US" sz="1200" b="1" dirty="0" smtClean="0">
@@ -5238,7 +5228,7 @@
                   <a:schemeClr val="tx1"/>
                 </a:solidFill>
               </a:rPr>
-              <a:t>info on 3 important policies</a:t>
+              <a:t>info on 3 policies</a:t>
             </a:r>
             <a:r>
               <a:rPr lang="en-US" sz="1200" b="1" dirty="0" smtClean="0">
@@ -5638,39 +5628,7 @@
                   <a:schemeClr val="tx1"/>
                 </a:solidFill>
               </a:rPr>
-              <a:t>Main </a:t>
-            </a:r>
-            <a:r>
-              <a:rPr lang="en-US" sz="1200" dirty="0" smtClean="0">
-                <a:solidFill>
-                  <a:schemeClr val="tx1"/>
-                </a:solidFill>
-              </a:rPr>
-              <a:t>considerations about climate change; </a:t>
-            </a:r>
-            <a:r>
-              <a:rPr lang="en-US" sz="1200" dirty="0" smtClean="0">
-                <a:solidFill>
-                  <a:schemeClr val="tx1"/>
-                </a:solidFill>
-              </a:rPr>
-              <a:t>supported </a:t>
-            </a:r>
-            <a:r>
-              <a:rPr lang="en-US" sz="1200" dirty="0" smtClean="0">
-                <a:solidFill>
-                  <a:schemeClr val="tx1"/>
-                </a:solidFill>
-              </a:rPr>
-              <a:t>climate policies</a:t>
-            </a:r>
-            <a:r>
-              <a:rPr lang="en-US" sz="1200" dirty="0" smtClean="0">
-                <a:solidFill>
-                  <a:schemeClr val="tx1"/>
-                </a:solidFill>
-              </a:rPr>
-              <a:t>.</a:t>
+              <a:t>Main considerations about climate change; supported climate policies.</a:t>
             </a:r>
             <a:endParaRPr lang="en-US" sz="1200" dirty="0">
               <a:solidFill>
@@ -6162,23 +6120,7 @@
                   <a:schemeClr val="tx1"/>
                 </a:solidFill>
               </a:rPr>
-              <a:t>Likelihood of climate stabilization, effects of climate </a:t>
-            </a:r>
-            <a:r>
-              <a:rPr lang="en-US" sz="1200" dirty="0" smtClean="0">
-                <a:solidFill>
-                  <a:schemeClr val="tx1"/>
-                </a:solidFill>
-              </a:rPr>
-              <a:t>change, </a:t>
-            </a:r>
-            <a:r>
-              <a:rPr lang="en-US" sz="1200" dirty="0" smtClean="0">
-                <a:solidFill>
-                  <a:schemeClr val="tx1"/>
-                </a:solidFill>
-              </a:rPr>
-              <a:t>willingness to change own habits…</a:t>
+              <a:t>Likelihood of climate stabilization, effects of climate change, willingness to change own habits…</a:t>
             </a:r>
             <a:endParaRPr lang="en-US" sz="1200" dirty="0">
               <a:solidFill>
@@ -7141,6 +7083,14 @@
               <a:t>Climate</a:t>
             </a:r>
             <a:r>
+              <a:rPr lang="fr-CH" sz="1600" b="1" dirty="0" smtClean="0">
+                <a:solidFill>
+                  <a:schemeClr val="tx1"/>
+                </a:solidFill>
+              </a:rPr>
+              <a:t> Impacts</a:t>
+            </a:r>
+            <a:r>
               <a:rPr lang="fr-CH" sz="1200" b="1" dirty="0" smtClean="0">
                 <a:solidFill>
                   <a:schemeClr val="tx1"/>
@@ -7218,7 +7168,7 @@
                   <a:schemeClr val="tx1"/>
                 </a:solidFill>
               </a:rPr>
-              <a:t>Policy</a:t>
+              <a:t>Climate Policy</a:t>
             </a:r>
             <a:r>
               <a:rPr lang="en-US" sz="1200" b="1" dirty="0" smtClean="0">
@@ -7234,7 +7184,15 @@
                   <a:schemeClr val="tx1"/>
                 </a:solidFill>
               </a:rPr>
-              <a:t>info on 3 important policies</a:t>
+              <a:t>info on 3 </a:t>
+            </a:r>
+            <a:r>
+              <a:rPr lang="en-US" sz="1200" dirty="0" smtClean="0">
+                <a:solidFill>
+                  <a:schemeClr val="tx1"/>
+                </a:solidFill>
+              </a:rPr>
+              <a:t>policies</a:t>
             </a:r>
             <a:r>
               <a:rPr lang="en-US" sz="1200" b="1" dirty="0" smtClean="0">
@@ -7641,11 +7599,6 @@
               </a:rPr>
               <a:t>Main considerations about climate change; supported climate policies.</a:t>
             </a:r>
-            <a:endParaRPr lang="en-US" sz="1200" dirty="0">
-              <a:solidFill>
-                <a:schemeClr val="tx1"/>
-              </a:solidFill>
-            </a:endParaRPr>
           </a:p>
         </p:txBody>
       </p:sp>
@@ -7889,11 +7842,6 @@
               </a:rPr>
               <a:t>Main considerations about climate change; supported climate policies.</a:t>
             </a:r>
-            <a:endParaRPr lang="en-US" sz="1200" dirty="0">
-              <a:solidFill>
-                <a:schemeClr val="tx1"/>
-              </a:solidFill>
-            </a:endParaRPr>
           </a:p>
         </p:txBody>
       </p:sp>
@@ -8461,7 +8409,7 @@
                       <a:srgbClr val="04619A"/>
                     </a:solidFill>
                   </a:rPr>
-                  <a:t>Policy</a:t>
+                  <a:t>Climate Policy</a:t>
                 </a:r>
                 <a:endParaRPr lang="en-GB" sz="1800" dirty="0">
                   <a:solidFill>
@@ -8606,7 +8554,7 @@
                       <a:srgbClr val="04619A"/>
                     </a:solidFill>
                   </a:rPr>
-                  <a:t>limate</a:t>
+                  <a:t>limate Impacts</a:t>
                 </a:r>
                 <a:endParaRPr lang="en-GB" sz="1800" dirty="0">
                   <a:solidFill>
@@ -11176,11 +11124,6 @@
               </a:rPr>
               <a:t>Main considerations about climate change; supported climate policies.</a:t>
             </a:r>
-            <a:endParaRPr lang="en-US" sz="1200" dirty="0">
-              <a:solidFill>
-                <a:schemeClr val="tx1"/>
-              </a:solidFill>
-            </a:endParaRPr>
           </a:p>
         </p:txBody>
       </p:sp>
@@ -11686,12 +11629,12 @@
           <a:p>
             <a:pPr algn="ctr"/>
             <a:r>
-              <a:rPr lang="en-US" sz="1600" b="1" dirty="0" smtClean="0">
-                <a:solidFill>
-                  <a:schemeClr val="tx1"/>
-                </a:solidFill>
-              </a:rPr>
-              <a:t>Policy</a:t>
+              <a:rPr lang="en-US" sz="1600" b="1" dirty="0">
+                <a:solidFill>
+                  <a:schemeClr val="tx1"/>
+                </a:solidFill>
+              </a:rPr>
+              <a:t>Climate Policy</a:t>
             </a:r>
             <a:r>
               <a:rPr lang="en-US" sz="1200" b="1" dirty="0" smtClean="0">
@@ -11707,7 +11650,15 @@
                   <a:schemeClr val="tx1"/>
                 </a:solidFill>
               </a:rPr>
-              <a:t>info on 3 important policies</a:t>
+              <a:t>info on 3 </a:t>
+            </a:r>
+            <a:r>
+              <a:rPr lang="en-US" sz="1200" dirty="0" smtClean="0">
+                <a:solidFill>
+                  <a:schemeClr val="tx1"/>
+                </a:solidFill>
+              </a:rPr>
+              <a:t>policies</a:t>
             </a:r>
             <a:r>
               <a:rPr lang="en-US" sz="1200" b="1" dirty="0" smtClean="0">
@@ -12180,11 +12131,6 @@
               </a:rPr>
               <a:t>Main considerations about climate change; supported climate policies.</a:t>
             </a:r>
-            <a:endParaRPr lang="en-US" sz="1200" dirty="0">
-              <a:solidFill>
-                <a:schemeClr val="tx1"/>
-              </a:solidFill>
-            </a:endParaRPr>
           </a:p>
         </p:txBody>
       </p:sp>
@@ -12831,12 +12777,12 @@
           <a:p>
             <a:pPr algn="ctr"/>
             <a:r>
-              <a:rPr lang="en-US" sz="1600" b="1" dirty="0" smtClean="0">
-                <a:solidFill>
-                  <a:schemeClr val="tx1"/>
-                </a:solidFill>
-              </a:rPr>
-              <a:t>Policy</a:t>
+              <a:rPr lang="en-US" sz="1600" b="1" dirty="0">
+                <a:solidFill>
+                  <a:schemeClr val="tx1"/>
+                </a:solidFill>
+              </a:rPr>
+              <a:t>Climate Policy</a:t>
             </a:r>
             <a:r>
               <a:rPr lang="en-US" sz="1200" b="1" dirty="0" smtClean="0">
@@ -12852,7 +12798,15 @@
                   <a:schemeClr val="tx1"/>
                 </a:solidFill>
               </a:rPr>
-              <a:t>info on 3 important policies</a:t>
+              <a:t>info on 3 </a:t>
+            </a:r>
+            <a:r>
+              <a:rPr lang="en-US" sz="1200" dirty="0" smtClean="0">
+                <a:solidFill>
+                  <a:schemeClr val="tx1"/>
+                </a:solidFill>
+              </a:rPr>
+              <a:t>policies</a:t>
             </a:r>
             <a:r>
               <a:rPr lang="en-US" sz="1200" b="1" dirty="0" smtClean="0">
@@ -13314,11 +13268,6 @@
               </a:rPr>
               <a:t>Main considerations about climate change; supported climate policies.</a:t>
             </a:r>
-            <a:endParaRPr lang="en-US" sz="1200" dirty="0">
-              <a:solidFill>
-                <a:schemeClr val="tx1"/>
-              </a:solidFill>
-            </a:endParaRPr>
           </a:p>
         </p:txBody>
       </p:sp>
@@ -14389,12 +14338,12 @@
           <a:p>
             <a:pPr algn="ctr"/>
             <a:r>
-              <a:rPr lang="en-US" sz="1600" b="1" dirty="0" smtClean="0">
-                <a:solidFill>
-                  <a:schemeClr val="tx1"/>
-                </a:solidFill>
-              </a:rPr>
-              <a:t>Policy</a:t>
+              <a:rPr lang="en-US" sz="1600" b="1" dirty="0">
+                <a:solidFill>
+                  <a:schemeClr val="tx1"/>
+                </a:solidFill>
+              </a:rPr>
+              <a:t>Climate Policy</a:t>
             </a:r>
             <a:r>
               <a:rPr lang="en-US" sz="1200" b="1" dirty="0" smtClean="0">
@@ -14410,7 +14359,15 @@
                   <a:schemeClr val="tx1"/>
                 </a:solidFill>
               </a:rPr>
-              <a:t>info on 3 important policies</a:t>
+              <a:t>info on 3 </a:t>
+            </a:r>
+            <a:r>
+              <a:rPr lang="en-US" sz="1200" dirty="0" smtClean="0">
+                <a:solidFill>
+                  <a:schemeClr val="tx1"/>
+                </a:solidFill>
+              </a:rPr>
+              <a:t>policies</a:t>
             </a:r>
             <a:r>
               <a:rPr lang="en-US" sz="1200" b="1" dirty="0" smtClean="0">
@@ -14848,11 +14805,6 @@
               </a:rPr>
               <a:t>Main considerations about climate change; supported climate policies.</a:t>
             </a:r>
-            <a:endParaRPr lang="en-US" sz="1200" dirty="0">
-              <a:solidFill>
-                <a:schemeClr val="tx1"/>
-              </a:solidFill>
-            </a:endParaRPr>
           </a:p>
         </p:txBody>
       </p:sp>
@@ -16080,12 +16032,12 @@
           <a:p>
             <a:pPr algn="ctr"/>
             <a:r>
-              <a:rPr lang="en-US" sz="1600" b="1" dirty="0" smtClean="0">
-                <a:solidFill>
-                  <a:schemeClr val="tx1"/>
-                </a:solidFill>
-              </a:rPr>
-              <a:t>Policy</a:t>
+              <a:rPr lang="en-US" sz="1600" b="1" dirty="0">
+                <a:solidFill>
+                  <a:schemeClr val="tx1"/>
+                </a:solidFill>
+              </a:rPr>
+              <a:t>Climate Policy</a:t>
             </a:r>
             <a:r>
               <a:rPr lang="en-US" sz="1200" b="1" dirty="0" smtClean="0">
@@ -16101,7 +16053,15 @@
                   <a:schemeClr val="tx1"/>
                 </a:solidFill>
               </a:rPr>
-              <a:t>info on 3 important policies</a:t>
+              <a:t>info on 3 </a:t>
+            </a:r>
+            <a:r>
+              <a:rPr lang="en-US" sz="1200" dirty="0" smtClean="0">
+                <a:solidFill>
+                  <a:schemeClr val="tx1"/>
+                </a:solidFill>
+              </a:rPr>
+              <a:t>policies</a:t>
             </a:r>
             <a:r>
               <a:rPr lang="en-US" sz="1200" b="1" dirty="0" smtClean="0">
@@ -16503,11 +16463,6 @@
               </a:rPr>
               <a:t>Main considerations about climate change; supported climate policies.</a:t>
             </a:r>
-            <a:endParaRPr lang="en-US" sz="1200" dirty="0">
-              <a:solidFill>
-                <a:schemeClr val="tx1"/>
-              </a:solidFill>
-            </a:endParaRPr>
           </a:p>
         </p:txBody>
       </p:sp>
@@ -17908,12 +17863,12 @@
           <a:p>
             <a:pPr algn="ctr"/>
             <a:r>
-              <a:rPr lang="en-US" sz="1600" b="1" dirty="0" smtClean="0">
-                <a:solidFill>
-                  <a:schemeClr val="tx1"/>
-                </a:solidFill>
-              </a:rPr>
-              <a:t>Policy</a:t>
+              <a:rPr lang="en-US" sz="1600" b="1" dirty="0">
+                <a:solidFill>
+                  <a:schemeClr val="tx1"/>
+                </a:solidFill>
+              </a:rPr>
+              <a:t>Climate Policy</a:t>
             </a:r>
             <a:r>
               <a:rPr lang="en-US" sz="1200" b="1" dirty="0" smtClean="0">
@@ -17929,7 +17884,15 @@
                   <a:schemeClr val="tx1"/>
                 </a:solidFill>
               </a:rPr>
-              <a:t>info on 3 important policies</a:t>
+              <a:t>info on 3 </a:t>
+            </a:r>
+            <a:r>
+              <a:rPr lang="en-US" sz="1200" dirty="0" smtClean="0">
+                <a:solidFill>
+                  <a:schemeClr val="tx1"/>
+                </a:solidFill>
+              </a:rPr>
+              <a:t>policies</a:t>
             </a:r>
             <a:r>
               <a:rPr lang="en-US" sz="1200" b="1" dirty="0" smtClean="0">

--- a/figures/survey_flow/survey_flow_new.pptx
+++ b/figures/survey_flow/survey_flow_new.pptx
@@ -5311,12 +5311,12 @@
               <a:t>: </a:t>
             </a:r>
             <a:r>
-              <a:rPr lang="en-US" sz="1200" dirty="0" smtClean="0">
-                <a:solidFill>
-                  <a:schemeClr val="tx1"/>
-                </a:solidFill>
-              </a:rPr>
-              <a:t>Climate + Policy</a:t>
+              <a:rPr lang="en-US" sz="1200" dirty="0">
+                <a:solidFill>
+                  <a:schemeClr val="tx1"/>
+                </a:solidFill>
+              </a:rPr>
+              <a:t>Climate Impacts + Climate Policy</a:t>
             </a:r>
             <a:endParaRPr lang="en-US" sz="1200" dirty="0">
               <a:solidFill>
@@ -7280,7 +7280,15 @@
                   <a:schemeClr val="tx1"/>
                 </a:solidFill>
               </a:rPr>
-              <a:t>Climate + Policy</a:t>
+              <a:t>Climate Impacts + Climate </a:t>
+            </a:r>
+            <a:r>
+              <a:rPr lang="en-US" sz="1200" dirty="0" smtClean="0">
+                <a:solidFill>
+                  <a:schemeClr val="tx1"/>
+                </a:solidFill>
+              </a:rPr>
+              <a:t>Policy</a:t>
             </a:r>
             <a:endParaRPr lang="en-US" sz="1200" dirty="0">
               <a:solidFill>
@@ -11741,12 +11749,12 @@
               <a:t>: </a:t>
             </a:r>
             <a:r>
-              <a:rPr lang="en-US" sz="1200" dirty="0" smtClean="0">
-                <a:solidFill>
-                  <a:schemeClr val="tx1"/>
-                </a:solidFill>
-              </a:rPr>
-              <a:t>Climate + Policy</a:t>
+              <a:rPr lang="en-US" sz="1200" dirty="0">
+                <a:solidFill>
+                  <a:schemeClr val="tx1"/>
+                </a:solidFill>
+              </a:rPr>
+              <a:t>Climate Impacts + Climate Policy</a:t>
             </a:r>
             <a:endParaRPr lang="en-US" sz="1200" dirty="0">
               <a:solidFill>
@@ -12889,12 +12897,12 @@
               <a:t>: </a:t>
             </a:r>
             <a:r>
-              <a:rPr lang="en-US" sz="1200" dirty="0" smtClean="0">
-                <a:solidFill>
-                  <a:schemeClr val="tx1"/>
-                </a:solidFill>
-              </a:rPr>
-              <a:t>Climate + Policy</a:t>
+              <a:rPr lang="en-US" sz="1200" dirty="0">
+                <a:solidFill>
+                  <a:schemeClr val="tx1"/>
+                </a:solidFill>
+              </a:rPr>
+              <a:t>Climate Impacts + Climate Policy</a:t>
             </a:r>
             <a:endParaRPr lang="en-US" sz="1200" dirty="0">
               <a:solidFill>
@@ -14450,12 +14458,12 @@
               <a:t>: </a:t>
             </a:r>
             <a:r>
-              <a:rPr lang="en-US" sz="1200" dirty="0" smtClean="0">
-                <a:solidFill>
-                  <a:schemeClr val="tx1"/>
-                </a:solidFill>
-              </a:rPr>
-              <a:t>Climate + Policy</a:t>
+              <a:rPr lang="en-US" sz="1200" dirty="0">
+                <a:solidFill>
+                  <a:schemeClr val="tx1"/>
+                </a:solidFill>
+              </a:rPr>
+              <a:t>Climate Impacts + Climate Policy</a:t>
             </a:r>
             <a:endParaRPr lang="en-US" sz="1200" dirty="0">
               <a:solidFill>
@@ -16144,12 +16152,12 @@
               <a:t>: </a:t>
             </a:r>
             <a:r>
-              <a:rPr lang="en-US" sz="1200" dirty="0" smtClean="0">
-                <a:solidFill>
-                  <a:schemeClr val="tx1"/>
-                </a:solidFill>
-              </a:rPr>
-              <a:t>Climate + Policy</a:t>
+              <a:rPr lang="en-US" sz="1200" dirty="0">
+                <a:solidFill>
+                  <a:schemeClr val="tx1"/>
+                </a:solidFill>
+              </a:rPr>
+              <a:t>Climate Impacts + Climate Policy</a:t>
             </a:r>
             <a:endParaRPr lang="en-US" sz="1200" dirty="0">
               <a:solidFill>
@@ -17975,12 +17983,12 @@
               <a:t>: </a:t>
             </a:r>
             <a:r>
-              <a:rPr lang="en-US" sz="1200" dirty="0" smtClean="0">
-                <a:solidFill>
-                  <a:schemeClr val="tx1"/>
-                </a:solidFill>
-              </a:rPr>
-              <a:t>Climate + Policy</a:t>
+              <a:rPr lang="en-US" sz="1200" dirty="0">
+                <a:solidFill>
+                  <a:schemeClr val="tx1"/>
+                </a:solidFill>
+              </a:rPr>
+              <a:t>Climate Impacts + Climate Policy</a:t>
             </a:r>
             <a:endParaRPr lang="en-US" sz="1200" dirty="0">
               <a:solidFill>

--- a/figures/survey_flow/survey_flow_new.pptx
+++ b/figures/survey_flow/survey_flow_new.pptx
@@ -5135,7 +5135,15 @@
               <a:t>Climate</a:t>
             </a:r>
             <a:r>
-              <a:rPr lang="fr-CH" sz="1200" b="1" dirty="0" smtClean="0">
+              <a:rPr lang="fr-CH" sz="1600" b="1" smtClean="0">
+                <a:solidFill>
+                  <a:schemeClr val="tx1"/>
+                </a:solidFill>
+              </a:rPr>
+              <a:t> Impacts</a:t>
+            </a:r>
+            <a:r>
+              <a:rPr lang="fr-CH" sz="1200" b="1" smtClean="0">
                 <a:solidFill>
                   <a:schemeClr val="tx1"/>
                 </a:solidFill>
@@ -5318,11 +5326,6 @@
               </a:rPr>
               <a:t>Climate Impacts + Climate Policy</a:t>
             </a:r>
-            <a:endParaRPr lang="en-US" sz="1200" dirty="0">
-              <a:solidFill>
-                <a:schemeClr val="tx1"/>
-              </a:solidFill>
-            </a:endParaRPr>
           </a:p>
         </p:txBody>
       </p:sp>
@@ -7184,15 +7187,7 @@
                   <a:schemeClr val="tx1"/>
                 </a:solidFill>
               </a:rPr>
-              <a:t>info on 3 </a:t>
-            </a:r>
-            <a:r>
-              <a:rPr lang="en-US" sz="1200" dirty="0" smtClean="0">
-                <a:solidFill>
-                  <a:schemeClr val="tx1"/>
-                </a:solidFill>
-              </a:rPr>
-              <a:t>policies</a:t>
+              <a:t>info on 3 policies</a:t>
             </a:r>
             <a:r>
               <a:rPr lang="en-US" sz="1200" b="1" dirty="0" smtClean="0">
@@ -7280,15 +7275,7 @@
                   <a:schemeClr val="tx1"/>
                 </a:solidFill>
               </a:rPr>
-              <a:t>Climate Impacts + Climate </a:t>
-            </a:r>
-            <a:r>
-              <a:rPr lang="en-US" sz="1200" dirty="0" smtClean="0">
-                <a:solidFill>
-                  <a:schemeClr val="tx1"/>
-                </a:solidFill>
-              </a:rPr>
-              <a:t>Policy</a:t>
+              <a:t>Climate Impacts + Climate Policy</a:t>
             </a:r>
             <a:endParaRPr lang="en-US" sz="1200" dirty="0">
               <a:solidFill>
@@ -11565,6 +11552,14 @@
               <a:t>Climate</a:t>
             </a:r>
             <a:r>
+              <a:rPr lang="fr-CH" sz="1600" b="1" dirty="0" smtClean="0">
+                <a:solidFill>
+                  <a:schemeClr val="tx1"/>
+                </a:solidFill>
+              </a:rPr>
+              <a:t> Impacts</a:t>
+            </a:r>
+            <a:r>
               <a:rPr lang="fr-CH" sz="1200" b="1" dirty="0" smtClean="0">
                 <a:solidFill>
                   <a:schemeClr val="tx1"/>
@@ -11658,15 +11653,7 @@
                   <a:schemeClr val="tx1"/>
                 </a:solidFill>
               </a:rPr>
-              <a:t>info on 3 </a:t>
-            </a:r>
-            <a:r>
-              <a:rPr lang="en-US" sz="1200" dirty="0" smtClean="0">
-                <a:solidFill>
-                  <a:schemeClr val="tx1"/>
-                </a:solidFill>
-              </a:rPr>
-              <a:t>policies</a:t>
+              <a:t>info on 3 policies</a:t>
             </a:r>
             <a:r>
               <a:rPr lang="en-US" sz="1200" b="1" dirty="0" smtClean="0">
@@ -11756,11 +11743,6 @@
               </a:rPr>
               <a:t>Climate Impacts + Climate Policy</a:t>
             </a:r>
-            <a:endParaRPr lang="en-US" sz="1200" dirty="0">
-              <a:solidFill>
-                <a:schemeClr val="tx1"/>
-              </a:solidFill>
-            </a:endParaRPr>
           </a:p>
         </p:txBody>
       </p:sp>
@@ -12713,6 +12695,14 @@
               <a:t>Climate</a:t>
             </a:r>
             <a:r>
+              <a:rPr lang="fr-CH" sz="1600" b="1" dirty="0" smtClean="0">
+                <a:solidFill>
+                  <a:schemeClr val="tx1"/>
+                </a:solidFill>
+              </a:rPr>
+              <a:t> Impacts</a:t>
+            </a:r>
+            <a:r>
               <a:rPr lang="fr-CH" sz="1200" b="1" dirty="0" smtClean="0">
                 <a:solidFill>
                   <a:schemeClr val="tx1"/>
@@ -12806,15 +12796,7 @@
                   <a:schemeClr val="tx1"/>
                 </a:solidFill>
               </a:rPr>
-              <a:t>info on 3 </a:t>
-            </a:r>
-            <a:r>
-              <a:rPr lang="en-US" sz="1200" dirty="0" smtClean="0">
-                <a:solidFill>
-                  <a:schemeClr val="tx1"/>
-                </a:solidFill>
-              </a:rPr>
-              <a:t>policies</a:t>
+              <a:t>info on 3 policies</a:t>
             </a:r>
             <a:r>
               <a:rPr lang="en-US" sz="1200" b="1" dirty="0" smtClean="0">
@@ -12904,11 +12886,6 @@
               </a:rPr>
               <a:t>Climate Impacts + Climate Policy</a:t>
             </a:r>
-            <a:endParaRPr lang="en-US" sz="1200" dirty="0">
-              <a:solidFill>
-                <a:schemeClr val="tx1"/>
-              </a:solidFill>
-            </a:endParaRPr>
           </a:p>
         </p:txBody>
       </p:sp>
@@ -14274,6 +14251,14 @@
               <a:t>Climate</a:t>
             </a:r>
             <a:r>
+              <a:rPr lang="fr-CH" sz="1600" b="1" dirty="0" smtClean="0">
+                <a:solidFill>
+                  <a:schemeClr val="tx1"/>
+                </a:solidFill>
+              </a:rPr>
+              <a:t> Impacts</a:t>
+            </a:r>
+            <a:r>
               <a:rPr lang="fr-CH" sz="1200" b="1" dirty="0" smtClean="0">
                 <a:solidFill>
                   <a:schemeClr val="tx1"/>
@@ -14367,15 +14352,7 @@
                   <a:schemeClr val="tx1"/>
                 </a:solidFill>
               </a:rPr>
-              <a:t>info on 3 </a:t>
-            </a:r>
-            <a:r>
-              <a:rPr lang="en-US" sz="1200" dirty="0" smtClean="0">
-                <a:solidFill>
-                  <a:schemeClr val="tx1"/>
-                </a:solidFill>
-              </a:rPr>
-              <a:t>policies</a:t>
+              <a:t>info on 3 policies</a:t>
             </a:r>
             <a:r>
               <a:rPr lang="en-US" sz="1200" b="1" dirty="0" smtClean="0">
@@ -14465,11 +14442,6 @@
               </a:rPr>
               <a:t>Climate Impacts + Climate Policy</a:t>
             </a:r>
-            <a:endParaRPr lang="en-US" sz="1200" dirty="0">
-              <a:solidFill>
-                <a:schemeClr val="tx1"/>
-              </a:solidFill>
-            </a:endParaRPr>
           </a:p>
         </p:txBody>
       </p:sp>
@@ -15968,6 +15940,14 @@
               <a:t>Climate</a:t>
             </a:r>
             <a:r>
+              <a:rPr lang="fr-CH" sz="1600" b="1" dirty="0" smtClean="0">
+                <a:solidFill>
+                  <a:schemeClr val="tx1"/>
+                </a:solidFill>
+              </a:rPr>
+              <a:t> Impacts</a:t>
+            </a:r>
+            <a:r>
               <a:rPr lang="fr-CH" sz="1200" b="1" dirty="0" smtClean="0">
                 <a:solidFill>
                   <a:schemeClr val="tx1"/>
@@ -16061,15 +16041,7 @@
                   <a:schemeClr val="tx1"/>
                 </a:solidFill>
               </a:rPr>
-              <a:t>info on 3 </a:t>
-            </a:r>
-            <a:r>
-              <a:rPr lang="en-US" sz="1200" dirty="0" smtClean="0">
-                <a:solidFill>
-                  <a:schemeClr val="tx1"/>
-                </a:solidFill>
-              </a:rPr>
-              <a:t>policies</a:t>
+              <a:t>info on 3 policies</a:t>
             </a:r>
             <a:r>
               <a:rPr lang="en-US" sz="1200" b="1" dirty="0" smtClean="0">
@@ -16159,11 +16131,6 @@
               </a:rPr>
               <a:t>Climate Impacts + Climate Policy</a:t>
             </a:r>
-            <a:endParaRPr lang="en-US" sz="1200" dirty="0">
-              <a:solidFill>
-                <a:schemeClr val="tx1"/>
-              </a:solidFill>
-            </a:endParaRPr>
           </a:p>
         </p:txBody>
       </p:sp>
@@ -17799,6 +17766,14 @@
               <a:t>Climate</a:t>
             </a:r>
             <a:r>
+              <a:rPr lang="fr-CH" sz="1600" b="1" dirty="0" smtClean="0">
+                <a:solidFill>
+                  <a:schemeClr val="tx1"/>
+                </a:solidFill>
+              </a:rPr>
+              <a:t> Impacts</a:t>
+            </a:r>
+            <a:r>
               <a:rPr lang="fr-CH" sz="1200" b="1" dirty="0" smtClean="0">
                 <a:solidFill>
                   <a:schemeClr val="tx1"/>
@@ -17892,15 +17867,7 @@
                   <a:schemeClr val="tx1"/>
                 </a:solidFill>
               </a:rPr>
-              <a:t>info on 3 </a:t>
-            </a:r>
-            <a:r>
-              <a:rPr lang="en-US" sz="1200" dirty="0" smtClean="0">
-                <a:solidFill>
-                  <a:schemeClr val="tx1"/>
-                </a:solidFill>
-              </a:rPr>
-              <a:t>policies</a:t>
+              <a:t>info on 3 policies</a:t>
             </a:r>
             <a:r>
               <a:rPr lang="en-US" sz="1200" b="1" dirty="0" smtClean="0">
@@ -17990,11 +17957,6 @@
               </a:rPr>
               <a:t>Climate Impacts + Climate Policy</a:t>
             </a:r>
-            <a:endParaRPr lang="en-US" sz="1200" dirty="0">
-              <a:solidFill>
-                <a:schemeClr val="tx1"/>
-              </a:solidFill>
-            </a:endParaRPr>
           </a:p>
         </p:txBody>
       </p:sp>
